--- a/docs/diagrams/DeleteGroupCommandSD.pptx
+++ b/docs/diagrams/DeleteGroupCommandSD.pptx
@@ -3451,7 +3451,7 @@
         </p:nvSpPr>
         <p:spPr>
           <a:xfrm>
-            <a:off x="505425" y="1614063"/>
+            <a:off x="862935" y="1587033"/>
             <a:ext cx="7338773" cy="4475168"/>
           </a:xfrm>
           <a:prstGeom prst="roundRect">
@@ -3582,8 +3582,8 @@
         </p:nvCxnSpPr>
         <p:spPr>
           <a:xfrm flipH="1">
-            <a:off x="1581370" y="2522919"/>
-            <a:ext cx="9380" cy="2657457"/>
+            <a:off x="1554192" y="2522919"/>
+            <a:ext cx="36558" cy="3514054"/>
           </a:xfrm>
           <a:prstGeom prst="line">
             <a:avLst/>
@@ -3620,7 +3620,7 @@
         <p:spPr>
           <a:xfrm>
             <a:off x="1500851" y="3010911"/>
-            <a:ext cx="152400" cy="2780287"/>
+            <a:ext cx="133964" cy="2704089"/>
           </a:xfrm>
           <a:prstGeom prst="rect">
             <a:avLst/>
@@ -3786,8 +3786,8 @@
         </p:nvSpPr>
         <p:spPr>
           <a:xfrm>
-            <a:off x="2615818" y="3122096"/>
-            <a:ext cx="175703" cy="1285542"/>
+            <a:off x="2615818" y="3122095"/>
+            <a:ext cx="182507" cy="1299897"/>
           </a:xfrm>
           <a:prstGeom prst="rect">
             <a:avLst/>
@@ -3937,7 +3937,7 @@
         <p:spPr>
           <a:xfrm>
             <a:off x="6769757" y="4286671"/>
-            <a:ext cx="0" cy="1802560"/>
+            <a:ext cx="0" cy="1750302"/>
           </a:xfrm>
           <a:prstGeom prst="line">
             <a:avLst/>
@@ -4166,7 +4166,7 @@
         </p:nvSpPr>
         <p:spPr>
           <a:xfrm>
-            <a:off x="3784351" y="4958726"/>
+            <a:off x="3814660" y="4870473"/>
             <a:ext cx="855809" cy="215444"/>
           </a:xfrm>
           <a:prstGeom prst="rect">
@@ -4286,7 +4286,7 @@
         </p:nvCxnSpPr>
         <p:spPr>
           <a:xfrm>
-            <a:off x="304800" y="5791200"/>
+            <a:off x="304800" y="5700386"/>
             <a:ext cx="1196051" cy="0"/>
           </a:xfrm>
           <a:prstGeom prst="straightConnector1">
@@ -4400,7 +4400,7 @@
         </p:nvCxnSpPr>
         <p:spPr>
           <a:xfrm>
-            <a:off x="1653251" y="5181600"/>
+            <a:off x="1666330" y="5127974"/>
             <a:ext cx="5043123" cy="0"/>
           </a:xfrm>
           <a:prstGeom prst="straightConnector1">
@@ -4436,8 +4436,8 @@
         </p:nvSpPr>
         <p:spPr>
           <a:xfrm>
-            <a:off x="6692066" y="5125886"/>
-            <a:ext cx="161321" cy="594437"/>
+            <a:off x="6692067" y="5115134"/>
+            <a:ext cx="151071" cy="605189"/>
           </a:xfrm>
           <a:prstGeom prst="rect">
             <a:avLst/>
@@ -4610,54 +4610,13 @@
       </p:cxnSp>
       <p:cxnSp>
         <p:nvCxnSpPr>
-          <p:cNvPr id="76" name="Straight Arrow Connector 75"/>
-          <p:cNvCxnSpPr/>
-          <p:nvPr/>
-        </p:nvCxnSpPr>
-        <p:spPr>
-          <a:xfrm flipV="1">
-            <a:off x="6848774" y="4714650"/>
-            <a:ext cx="1838026" cy="9750"/>
-          </a:xfrm>
-          <a:prstGeom prst="straightConnector1">
-            <a:avLst/>
-          </a:prstGeom>
-          <a:ln w="19050">
-            <a:solidFill>
-              <a:schemeClr val="accent4">
-                <a:lumMod val="60000"/>
-                <a:lumOff val="40000"/>
-              </a:schemeClr>
-            </a:solidFill>
-            <a:prstDash val="sysDash"/>
-            <a:headEnd type="arrow" w="med" len="med"/>
-            <a:tailEnd type="none" w="med" len="med"/>
-          </a:ln>
-        </p:spPr>
-        <p:style>
-          <a:lnRef idx="1">
-            <a:schemeClr val="accent1"/>
-          </a:lnRef>
-          <a:fillRef idx="0">
-            <a:schemeClr val="accent1"/>
-          </a:fillRef>
-          <a:effectRef idx="0">
-            <a:schemeClr val="accent1"/>
-          </a:effectRef>
-          <a:fontRef idx="minor">
-            <a:schemeClr val="tx1"/>
-          </a:fontRef>
-        </p:style>
-      </p:cxnSp>
-      <p:cxnSp>
-        <p:nvCxnSpPr>
           <p:cNvPr id="77" name="Straight Arrow Connector 76"/>
           <p:cNvCxnSpPr/>
           <p:nvPr/>
         </p:nvCxnSpPr>
         <p:spPr>
           <a:xfrm>
-            <a:off x="1653251" y="5486400"/>
+            <a:off x="1653251" y="5715000"/>
             <a:ext cx="5052349" cy="0"/>
           </a:xfrm>
           <a:prstGeom prst="straightConnector1">
@@ -4695,7 +4654,7 @@
         </p:nvSpPr>
         <p:spPr>
           <a:xfrm>
-            <a:off x="6051800" y="4488092"/>
+            <a:off x="5773118" y="4594314"/>
             <a:ext cx="3016381" cy="184666"/>
           </a:xfrm>
           <a:prstGeom prst="rect">
@@ -4803,7 +4762,7 @@
         </p:nvSpPr>
         <p:spPr>
           <a:xfrm>
-            <a:off x="3901647" y="5262643"/>
+            <a:off x="3901647" y="5435902"/>
             <a:ext cx="621216" cy="215444"/>
           </a:xfrm>
           <a:prstGeom prst="rect">
@@ -4843,7 +4802,7 @@
         </p:nvSpPr>
         <p:spPr>
           <a:xfrm>
-            <a:off x="599983" y="5538488"/>
+            <a:off x="601009" y="5478087"/>
             <a:ext cx="762000" cy="215444"/>
           </a:xfrm>
           <a:prstGeom prst="rect">
@@ -5290,8 +5249,8 @@
         </p:nvSpPr>
         <p:spPr>
           <a:xfrm>
-            <a:off x="4028494" y="3565732"/>
-            <a:ext cx="155421" cy="918637"/>
+            <a:off x="4028495" y="3565732"/>
+            <a:ext cx="168949" cy="841419"/>
           </a:xfrm>
           <a:prstGeom prst="rect">
             <a:avLst/>
@@ -5339,7 +5298,7 @@
         </p:nvCxnSpPr>
         <p:spPr>
           <a:xfrm flipV="1">
-            <a:off x="2792405" y="4071720"/>
+            <a:off x="2805302" y="4414901"/>
             <a:ext cx="1188170" cy="7092"/>
           </a:xfrm>
           <a:prstGeom prst="straightConnector1">
@@ -5372,13 +5331,15 @@
       <p:cxnSp>
         <p:nvCxnSpPr>
           <p:cNvPr id="13" name="Straight Arrow Connector 12"/>
-          <p:cNvCxnSpPr/>
+          <p:cNvCxnSpPr>
+            <a:cxnSpLocks/>
+          </p:cNvCxnSpPr>
           <p:nvPr/>
         </p:nvCxnSpPr>
         <p:spPr>
           <a:xfrm>
-            <a:off x="6858000" y="5181600"/>
-            <a:ext cx="162246" cy="0"/>
+            <a:off x="6858000" y="5115135"/>
+            <a:ext cx="165935" cy="0"/>
           </a:xfrm>
           <a:prstGeom prst="straightConnector1">
             <a:avLst/>
@@ -5449,7 +5410,7 @@
         </p:nvCxnSpPr>
         <p:spPr>
           <a:xfrm flipV="1">
-            <a:off x="2809022" y="3309407"/>
+            <a:off x="2809022" y="3371418"/>
             <a:ext cx="1171553" cy="2750"/>
           </a:xfrm>
           <a:prstGeom prst="straightConnector1">
@@ -5572,7 +5533,7 @@
         </p:nvGrpSpPr>
         <p:grpSpPr>
           <a:xfrm>
-            <a:off x="5498613" y="4372138"/>
+            <a:off x="5496385" y="4317985"/>
             <a:ext cx="3582560" cy="738453"/>
             <a:chOff x="6244673" y="3837423"/>
             <a:chExt cx="2638567" cy="513155"/>
@@ -6111,7 +6072,7 @@
         <p:spPr>
           <a:xfrm>
             <a:off x="6026252" y="4020640"/>
-            <a:ext cx="0" cy="2060498"/>
+            <a:ext cx="0" cy="1999160"/>
           </a:xfrm>
           <a:prstGeom prst="line">
             <a:avLst/>
@@ -6317,7 +6278,7 @@
         </p:nvSpPr>
         <p:spPr>
           <a:xfrm>
-            <a:off x="76439" y="198600"/>
+            <a:off x="0" y="209038"/>
             <a:ext cx="8651561" cy="6301542"/>
           </a:xfrm>
           <a:prstGeom prst="roundRect">
@@ -6756,8 +6717,8 @@
         </p:nvSpPr>
         <p:spPr>
           <a:xfrm>
-            <a:off x="2202700" y="1691678"/>
-            <a:ext cx="159500" cy="4480519"/>
+            <a:off x="2202699" y="1691678"/>
+            <a:ext cx="199175" cy="4670261"/>
           </a:xfrm>
           <a:prstGeom prst="rect">
             <a:avLst/>
@@ -7295,9 +7256,9 @@
           <p:nvPr/>
         </p:nvCxnSpPr>
         <p:spPr>
-          <a:xfrm flipV="1">
-            <a:off x="2401960" y="3587030"/>
-            <a:ext cx="1029321" cy="1"/>
+          <a:xfrm>
+            <a:off x="260437" y="3587030"/>
+            <a:ext cx="3170844" cy="1"/>
           </a:xfrm>
           <a:prstGeom prst="straightConnector1">
             <a:avLst/>
@@ -7341,9 +7302,9 @@
         <p:grpSpPr>
           <a:xfrm>
             <a:off x="1482403" y="2832693"/>
-            <a:ext cx="4007603" cy="3321792"/>
+            <a:ext cx="3739188" cy="3051136"/>
             <a:chOff x="6244673" y="3837422"/>
-            <a:chExt cx="3996159" cy="2089457"/>
+            <a:chExt cx="3996160" cy="2089458"/>
           </a:xfrm>
         </p:grpSpPr>
         <p:sp>
@@ -7360,7 +7321,7 @@
           </p:nvSpPr>
           <p:spPr>
             <a:xfrm>
-              <a:off x="6244673" y="3856103"/>
+              <a:off x="6244674" y="3856104"/>
               <a:ext cx="3996159" cy="2070776"/>
             </a:xfrm>
             <a:prstGeom prst="rect">
